--- a/ppt 16-9/1291.主日学校放学.pptx
+++ b/ppt 16-9/1291.主日学校放学.pptx
@@ -5,7 +5,7 @@
     <p:sldMasterId id="2147483648" r:id="rId1"/>
   </p:sldMasterIdLst>
   <p:sldIdLst>
-    <p:sldId id="840" r:id="rId2"/>
+    <p:sldId id="841" r:id="rId2"/>
   </p:sldIdLst>
   <p:sldSz cx="12192000" cy="6858000"/>
   <p:notesSz cx="6858000" cy="9144000"/>
@@ -129,7 +129,7 @@
           <p:cNvPr id="2" name="标题 1">
             <a:extLst>
               <a:ext uri="{FF2B5EF4-FFF2-40B4-BE49-F238E27FC236}">
-                <a16:creationId xmlns:a16="http://schemas.microsoft.com/office/drawing/2014/main" id="{5CF5DA2F-ACCF-01BF-E53F-57E1EA76C471}"/>
+                <a16:creationId xmlns:a16="http://schemas.microsoft.com/office/drawing/2014/main" id="{C1E2D951-2844-9A7C-A438-8C1FB4A8726C}"/>
               </a:ext>
             </a:extLst>
           </p:cNvPr>
@@ -166,7 +166,7 @@
           <p:cNvPr id="3" name="副标题 2">
             <a:extLst>
               <a:ext uri="{FF2B5EF4-FFF2-40B4-BE49-F238E27FC236}">
-                <a16:creationId xmlns:a16="http://schemas.microsoft.com/office/drawing/2014/main" id="{66FEA969-8C14-6475-6BCD-C1E079A67149}"/>
+                <a16:creationId xmlns:a16="http://schemas.microsoft.com/office/drawing/2014/main" id="{0A65EF29-9FC6-45F1-EDF3-1E8D91E813C6}"/>
               </a:ext>
             </a:extLst>
           </p:cNvPr>
@@ -236,7 +236,7 @@
           <p:cNvPr id="4" name="日期占位符 3">
             <a:extLst>
               <a:ext uri="{FF2B5EF4-FFF2-40B4-BE49-F238E27FC236}">
-                <a16:creationId xmlns:a16="http://schemas.microsoft.com/office/drawing/2014/main" id="{8D1C4122-486D-C237-0D56-E9A0E1333F81}"/>
+                <a16:creationId xmlns:a16="http://schemas.microsoft.com/office/drawing/2014/main" id="{66C8DDF9-AF70-4E15-5839-E4F1C07E31E1}"/>
               </a:ext>
             </a:extLst>
           </p:cNvPr>
@@ -252,7 +252,7 @@
           <a:bodyPr/>
           <a:lstStyle/>
           <a:p>
-            <a:fld id="{A7872DDF-19FA-47E0-9F64-7BEA3D18198B}" type="datetimeFigureOut">
+            <a:fld id="{F03CC6B1-AB19-4263-B766-C493BC203C92}" type="datetimeFigureOut">
               <a:rPr lang="zh-CN" altLang="en-US" smtClean="0"/>
               <a:t>2024/3/10</a:t>
             </a:fld>
@@ -265,7 +265,7 @@
           <p:cNvPr id="5" name="页脚占位符 4">
             <a:extLst>
               <a:ext uri="{FF2B5EF4-FFF2-40B4-BE49-F238E27FC236}">
-                <a16:creationId xmlns:a16="http://schemas.microsoft.com/office/drawing/2014/main" id="{4756FD25-AB49-7F46-0E69-E32D718F9B9E}"/>
+                <a16:creationId xmlns:a16="http://schemas.microsoft.com/office/drawing/2014/main" id="{6CB7F61F-4E75-38D7-2A21-70642B87A93F}"/>
               </a:ext>
             </a:extLst>
           </p:cNvPr>
@@ -290,7 +290,7 @@
           <p:cNvPr id="6" name="灯片编号占位符 5">
             <a:extLst>
               <a:ext uri="{FF2B5EF4-FFF2-40B4-BE49-F238E27FC236}">
-                <a16:creationId xmlns:a16="http://schemas.microsoft.com/office/drawing/2014/main" id="{69950906-D53C-7E4A-F894-211EAE359E2C}"/>
+                <a16:creationId xmlns:a16="http://schemas.microsoft.com/office/drawing/2014/main" id="{65BE4D1C-547B-E8F8-31BA-DCD03A0F4FAA}"/>
               </a:ext>
             </a:extLst>
           </p:cNvPr>
@@ -306,7 +306,7 @@
           <a:bodyPr/>
           <a:lstStyle/>
           <a:p>
-            <a:fld id="{E55D0C36-4AD1-41F0-8ED5-BFF29534FD40}" type="slidenum">
+            <a:fld id="{E99C443F-C5C9-42E1-9D46-1C845B44A282}" type="slidenum">
               <a:rPr lang="zh-CN" altLang="en-US" smtClean="0"/>
               <a:t>‹#›</a:t>
             </a:fld>
@@ -317,7 +317,7 @@
     </p:spTree>
     <p:extLst>
       <p:ext uri="{BB962C8B-B14F-4D97-AF65-F5344CB8AC3E}">
-        <p14:creationId xmlns:p14="http://schemas.microsoft.com/office/powerpoint/2010/main" val="2565599961"/>
+        <p14:creationId xmlns:p14="http://schemas.microsoft.com/office/powerpoint/2010/main" val="2338191832"/>
       </p:ext>
     </p:extLst>
   </p:cSld>
@@ -349,7 +349,7 @@
           <p:cNvPr id="2" name="标题 1">
             <a:extLst>
               <a:ext uri="{FF2B5EF4-FFF2-40B4-BE49-F238E27FC236}">
-                <a16:creationId xmlns:a16="http://schemas.microsoft.com/office/drawing/2014/main" id="{CE7E314E-B22E-E23C-8758-8E94AB238EE7}"/>
+                <a16:creationId xmlns:a16="http://schemas.microsoft.com/office/drawing/2014/main" id="{5D6AC7BB-EDA1-0260-BFDA-26C7502946DB}"/>
               </a:ext>
             </a:extLst>
           </p:cNvPr>
@@ -377,7 +377,7 @@
           <p:cNvPr id="3" name="竖排文字占位符 2">
             <a:extLst>
               <a:ext uri="{FF2B5EF4-FFF2-40B4-BE49-F238E27FC236}">
-                <a16:creationId xmlns:a16="http://schemas.microsoft.com/office/drawing/2014/main" id="{851089DA-83B4-7293-2D2B-0DDE4A0686C6}"/>
+                <a16:creationId xmlns:a16="http://schemas.microsoft.com/office/drawing/2014/main" id="{748D8F77-92F4-C7DB-5166-676B089FCA09}"/>
               </a:ext>
             </a:extLst>
           </p:cNvPr>
@@ -434,7 +434,7 @@
           <p:cNvPr id="4" name="日期占位符 3">
             <a:extLst>
               <a:ext uri="{FF2B5EF4-FFF2-40B4-BE49-F238E27FC236}">
-                <a16:creationId xmlns:a16="http://schemas.microsoft.com/office/drawing/2014/main" id="{EF14EB84-0682-86AA-C4EE-B023C60D2978}"/>
+                <a16:creationId xmlns:a16="http://schemas.microsoft.com/office/drawing/2014/main" id="{A7AAA6D6-E803-4B1B-4F21-D87DA26F0904}"/>
               </a:ext>
             </a:extLst>
           </p:cNvPr>
@@ -450,7 +450,7 @@
           <a:bodyPr/>
           <a:lstStyle/>
           <a:p>
-            <a:fld id="{A7872DDF-19FA-47E0-9F64-7BEA3D18198B}" type="datetimeFigureOut">
+            <a:fld id="{F03CC6B1-AB19-4263-B766-C493BC203C92}" type="datetimeFigureOut">
               <a:rPr lang="zh-CN" altLang="en-US" smtClean="0"/>
               <a:t>2024/3/10</a:t>
             </a:fld>
@@ -463,7 +463,7 @@
           <p:cNvPr id="5" name="页脚占位符 4">
             <a:extLst>
               <a:ext uri="{FF2B5EF4-FFF2-40B4-BE49-F238E27FC236}">
-                <a16:creationId xmlns:a16="http://schemas.microsoft.com/office/drawing/2014/main" id="{4F07D787-2DEC-20E0-4D40-B3248FD568E2}"/>
+                <a16:creationId xmlns:a16="http://schemas.microsoft.com/office/drawing/2014/main" id="{81B9E9BB-9959-DA3F-0623-6DC2E0984E0F}"/>
               </a:ext>
             </a:extLst>
           </p:cNvPr>
@@ -488,7 +488,7 @@
           <p:cNvPr id="6" name="灯片编号占位符 5">
             <a:extLst>
               <a:ext uri="{FF2B5EF4-FFF2-40B4-BE49-F238E27FC236}">
-                <a16:creationId xmlns:a16="http://schemas.microsoft.com/office/drawing/2014/main" id="{44D37DB0-4C09-6FFB-2D77-F6E159D70728}"/>
+                <a16:creationId xmlns:a16="http://schemas.microsoft.com/office/drawing/2014/main" id="{1FF28E81-DEAB-3959-E4B2-7A2ED2DE9E22}"/>
               </a:ext>
             </a:extLst>
           </p:cNvPr>
@@ -504,7 +504,7 @@
           <a:bodyPr/>
           <a:lstStyle/>
           <a:p>
-            <a:fld id="{E55D0C36-4AD1-41F0-8ED5-BFF29534FD40}" type="slidenum">
+            <a:fld id="{E99C443F-C5C9-42E1-9D46-1C845B44A282}" type="slidenum">
               <a:rPr lang="zh-CN" altLang="en-US" smtClean="0"/>
               <a:t>‹#›</a:t>
             </a:fld>
@@ -515,7 +515,7 @@
     </p:spTree>
     <p:extLst>
       <p:ext uri="{BB962C8B-B14F-4D97-AF65-F5344CB8AC3E}">
-        <p14:creationId xmlns:p14="http://schemas.microsoft.com/office/powerpoint/2010/main" val="3242826621"/>
+        <p14:creationId xmlns:p14="http://schemas.microsoft.com/office/powerpoint/2010/main" val="1002321820"/>
       </p:ext>
     </p:extLst>
   </p:cSld>
@@ -547,7 +547,7 @@
           <p:cNvPr id="2" name="竖排标题 1">
             <a:extLst>
               <a:ext uri="{FF2B5EF4-FFF2-40B4-BE49-F238E27FC236}">
-                <a16:creationId xmlns:a16="http://schemas.microsoft.com/office/drawing/2014/main" id="{5F237A51-0D99-C9AD-B64F-FFAEB378916D}"/>
+                <a16:creationId xmlns:a16="http://schemas.microsoft.com/office/drawing/2014/main" id="{3119A3BF-C8B2-FD22-A9B1-3A2A6B13F943}"/>
               </a:ext>
             </a:extLst>
           </p:cNvPr>
@@ -580,7 +580,7 @@
           <p:cNvPr id="3" name="竖排文字占位符 2">
             <a:extLst>
               <a:ext uri="{FF2B5EF4-FFF2-40B4-BE49-F238E27FC236}">
-                <a16:creationId xmlns:a16="http://schemas.microsoft.com/office/drawing/2014/main" id="{B6872F37-BC95-B386-BB49-420F9369A348}"/>
+                <a16:creationId xmlns:a16="http://schemas.microsoft.com/office/drawing/2014/main" id="{8579A897-B5F6-B19B-6A2B-8C54467106A8}"/>
               </a:ext>
             </a:extLst>
           </p:cNvPr>
@@ -642,7 +642,7 @@
           <p:cNvPr id="4" name="日期占位符 3">
             <a:extLst>
               <a:ext uri="{FF2B5EF4-FFF2-40B4-BE49-F238E27FC236}">
-                <a16:creationId xmlns:a16="http://schemas.microsoft.com/office/drawing/2014/main" id="{E3070DF4-5991-953D-55A2-3A9BAECD192A}"/>
+                <a16:creationId xmlns:a16="http://schemas.microsoft.com/office/drawing/2014/main" id="{02506389-4968-ADF1-5BBE-152C47D9CD78}"/>
               </a:ext>
             </a:extLst>
           </p:cNvPr>
@@ -658,7 +658,7 @@
           <a:bodyPr/>
           <a:lstStyle/>
           <a:p>
-            <a:fld id="{A7872DDF-19FA-47E0-9F64-7BEA3D18198B}" type="datetimeFigureOut">
+            <a:fld id="{F03CC6B1-AB19-4263-B766-C493BC203C92}" type="datetimeFigureOut">
               <a:rPr lang="zh-CN" altLang="en-US" smtClean="0"/>
               <a:t>2024/3/10</a:t>
             </a:fld>
@@ -671,7 +671,7 @@
           <p:cNvPr id="5" name="页脚占位符 4">
             <a:extLst>
               <a:ext uri="{FF2B5EF4-FFF2-40B4-BE49-F238E27FC236}">
-                <a16:creationId xmlns:a16="http://schemas.microsoft.com/office/drawing/2014/main" id="{0ABEBCB8-1CE6-3178-9C00-199CE6329ABC}"/>
+                <a16:creationId xmlns:a16="http://schemas.microsoft.com/office/drawing/2014/main" id="{F9FB22CD-9202-1F00-0AED-6B15670521FD}"/>
               </a:ext>
             </a:extLst>
           </p:cNvPr>
@@ -696,7 +696,7 @@
           <p:cNvPr id="6" name="灯片编号占位符 5">
             <a:extLst>
               <a:ext uri="{FF2B5EF4-FFF2-40B4-BE49-F238E27FC236}">
-                <a16:creationId xmlns:a16="http://schemas.microsoft.com/office/drawing/2014/main" id="{F6D644B0-B51E-E4E4-C404-06B6FAA15672}"/>
+                <a16:creationId xmlns:a16="http://schemas.microsoft.com/office/drawing/2014/main" id="{BDB722C6-BDB3-7F7E-5DE9-D16F0FEDF95E}"/>
               </a:ext>
             </a:extLst>
           </p:cNvPr>
@@ -712,7 +712,7 @@
           <a:bodyPr/>
           <a:lstStyle/>
           <a:p>
-            <a:fld id="{E55D0C36-4AD1-41F0-8ED5-BFF29534FD40}" type="slidenum">
+            <a:fld id="{E99C443F-C5C9-42E1-9D46-1C845B44A282}" type="slidenum">
               <a:rPr lang="zh-CN" altLang="en-US" smtClean="0"/>
               <a:t>‹#›</a:t>
             </a:fld>
@@ -723,7 +723,7 @@
     </p:spTree>
     <p:extLst>
       <p:ext uri="{BB962C8B-B14F-4D97-AF65-F5344CB8AC3E}">
-        <p14:creationId xmlns:p14="http://schemas.microsoft.com/office/powerpoint/2010/main" val="2787976639"/>
+        <p14:creationId xmlns:p14="http://schemas.microsoft.com/office/powerpoint/2010/main" val="2324316023"/>
       </p:ext>
     </p:extLst>
   </p:cSld>
@@ -755,7 +755,7 @@
           <p:cNvPr id="2" name="标题 1">
             <a:extLst>
               <a:ext uri="{FF2B5EF4-FFF2-40B4-BE49-F238E27FC236}">
-                <a16:creationId xmlns:a16="http://schemas.microsoft.com/office/drawing/2014/main" id="{FDA5AC8A-C5B0-44C3-3E71-83FB3F623782}"/>
+                <a16:creationId xmlns:a16="http://schemas.microsoft.com/office/drawing/2014/main" id="{821C2091-52D8-51E2-3BE1-7B7033243AE4}"/>
               </a:ext>
             </a:extLst>
           </p:cNvPr>
@@ -783,7 +783,7 @@
           <p:cNvPr id="3" name="内容占位符 2">
             <a:extLst>
               <a:ext uri="{FF2B5EF4-FFF2-40B4-BE49-F238E27FC236}">
-                <a16:creationId xmlns:a16="http://schemas.microsoft.com/office/drawing/2014/main" id="{B9EB13BB-044C-40BA-37B4-ABD3FD513153}"/>
+                <a16:creationId xmlns:a16="http://schemas.microsoft.com/office/drawing/2014/main" id="{15335C20-A216-57D4-2C51-F798D91B036F}"/>
               </a:ext>
             </a:extLst>
           </p:cNvPr>
@@ -840,7 +840,7 @@
           <p:cNvPr id="4" name="日期占位符 3">
             <a:extLst>
               <a:ext uri="{FF2B5EF4-FFF2-40B4-BE49-F238E27FC236}">
-                <a16:creationId xmlns:a16="http://schemas.microsoft.com/office/drawing/2014/main" id="{238B0DAD-5ED5-F72C-B2F5-4BF075D619E6}"/>
+                <a16:creationId xmlns:a16="http://schemas.microsoft.com/office/drawing/2014/main" id="{9F35F79E-1DFD-04E2-7C55-9F328B12F44D}"/>
               </a:ext>
             </a:extLst>
           </p:cNvPr>
@@ -856,7 +856,7 @@
           <a:bodyPr/>
           <a:lstStyle/>
           <a:p>
-            <a:fld id="{A7872DDF-19FA-47E0-9F64-7BEA3D18198B}" type="datetimeFigureOut">
+            <a:fld id="{F03CC6B1-AB19-4263-B766-C493BC203C92}" type="datetimeFigureOut">
               <a:rPr lang="zh-CN" altLang="en-US" smtClean="0"/>
               <a:t>2024/3/10</a:t>
             </a:fld>
@@ -869,7 +869,7 @@
           <p:cNvPr id="5" name="页脚占位符 4">
             <a:extLst>
               <a:ext uri="{FF2B5EF4-FFF2-40B4-BE49-F238E27FC236}">
-                <a16:creationId xmlns:a16="http://schemas.microsoft.com/office/drawing/2014/main" id="{2885163E-072C-990B-F8E7-A5C22AB91522}"/>
+                <a16:creationId xmlns:a16="http://schemas.microsoft.com/office/drawing/2014/main" id="{1AB5C4B6-687C-9A5C-08D9-C0A193FA51E7}"/>
               </a:ext>
             </a:extLst>
           </p:cNvPr>
@@ -894,7 +894,7 @@
           <p:cNvPr id="6" name="灯片编号占位符 5">
             <a:extLst>
               <a:ext uri="{FF2B5EF4-FFF2-40B4-BE49-F238E27FC236}">
-                <a16:creationId xmlns:a16="http://schemas.microsoft.com/office/drawing/2014/main" id="{A7F5544C-CD73-B3F0-F1B2-2C6FB80F0049}"/>
+                <a16:creationId xmlns:a16="http://schemas.microsoft.com/office/drawing/2014/main" id="{5C320950-695F-290E-E905-C645B1F9E4B0}"/>
               </a:ext>
             </a:extLst>
           </p:cNvPr>
@@ -910,7 +910,7 @@
           <a:bodyPr/>
           <a:lstStyle/>
           <a:p>
-            <a:fld id="{E55D0C36-4AD1-41F0-8ED5-BFF29534FD40}" type="slidenum">
+            <a:fld id="{E99C443F-C5C9-42E1-9D46-1C845B44A282}" type="slidenum">
               <a:rPr lang="zh-CN" altLang="en-US" smtClean="0"/>
               <a:t>‹#›</a:t>
             </a:fld>
@@ -921,7 +921,7 @@
     </p:spTree>
     <p:extLst>
       <p:ext uri="{BB962C8B-B14F-4D97-AF65-F5344CB8AC3E}">
-        <p14:creationId xmlns:p14="http://schemas.microsoft.com/office/powerpoint/2010/main" val="3403772965"/>
+        <p14:creationId xmlns:p14="http://schemas.microsoft.com/office/powerpoint/2010/main" val="1591700798"/>
       </p:ext>
     </p:extLst>
   </p:cSld>
@@ -953,7 +953,7 @@
           <p:cNvPr id="2" name="标题 1">
             <a:extLst>
               <a:ext uri="{FF2B5EF4-FFF2-40B4-BE49-F238E27FC236}">
-                <a16:creationId xmlns:a16="http://schemas.microsoft.com/office/drawing/2014/main" id="{2F61B9B3-641E-655D-04DE-C7CE2C2A72E4}"/>
+                <a16:creationId xmlns:a16="http://schemas.microsoft.com/office/drawing/2014/main" id="{C05064B2-5243-AE2E-FCCB-5E819591112E}"/>
               </a:ext>
             </a:extLst>
           </p:cNvPr>
@@ -990,7 +990,7 @@
           <p:cNvPr id="3" name="文本占位符 2">
             <a:extLst>
               <a:ext uri="{FF2B5EF4-FFF2-40B4-BE49-F238E27FC236}">
-                <a16:creationId xmlns:a16="http://schemas.microsoft.com/office/drawing/2014/main" id="{96C35837-4511-D4BB-6DE1-AFA7EE703A64}"/>
+                <a16:creationId xmlns:a16="http://schemas.microsoft.com/office/drawing/2014/main" id="{EDAABA48-022F-D2F7-A1D8-68F26BF204F9}"/>
               </a:ext>
             </a:extLst>
           </p:cNvPr>
@@ -1115,7 +1115,7 @@
           <p:cNvPr id="4" name="日期占位符 3">
             <a:extLst>
               <a:ext uri="{FF2B5EF4-FFF2-40B4-BE49-F238E27FC236}">
-                <a16:creationId xmlns:a16="http://schemas.microsoft.com/office/drawing/2014/main" id="{418082D0-123C-27ED-EE7A-BFDAA68E39A7}"/>
+                <a16:creationId xmlns:a16="http://schemas.microsoft.com/office/drawing/2014/main" id="{BBF689B3-80B7-D989-6F0A-1EF6CEBCD70D}"/>
               </a:ext>
             </a:extLst>
           </p:cNvPr>
@@ -1131,7 +1131,7 @@
           <a:bodyPr/>
           <a:lstStyle/>
           <a:p>
-            <a:fld id="{A7872DDF-19FA-47E0-9F64-7BEA3D18198B}" type="datetimeFigureOut">
+            <a:fld id="{F03CC6B1-AB19-4263-B766-C493BC203C92}" type="datetimeFigureOut">
               <a:rPr lang="zh-CN" altLang="en-US" smtClean="0"/>
               <a:t>2024/3/10</a:t>
             </a:fld>
@@ -1144,7 +1144,7 @@
           <p:cNvPr id="5" name="页脚占位符 4">
             <a:extLst>
               <a:ext uri="{FF2B5EF4-FFF2-40B4-BE49-F238E27FC236}">
-                <a16:creationId xmlns:a16="http://schemas.microsoft.com/office/drawing/2014/main" id="{FF8B1ABC-1EE0-65E9-93C2-38601244A979}"/>
+                <a16:creationId xmlns:a16="http://schemas.microsoft.com/office/drawing/2014/main" id="{1B5834D8-0106-49BE-E270-78854E070CBF}"/>
               </a:ext>
             </a:extLst>
           </p:cNvPr>
@@ -1169,7 +1169,7 @@
           <p:cNvPr id="6" name="灯片编号占位符 5">
             <a:extLst>
               <a:ext uri="{FF2B5EF4-FFF2-40B4-BE49-F238E27FC236}">
-                <a16:creationId xmlns:a16="http://schemas.microsoft.com/office/drawing/2014/main" id="{765EC250-9418-EA94-D9CF-7775CDA01532}"/>
+                <a16:creationId xmlns:a16="http://schemas.microsoft.com/office/drawing/2014/main" id="{F29BCA6D-37FA-80C2-B6A6-BE4D1EEC335A}"/>
               </a:ext>
             </a:extLst>
           </p:cNvPr>
@@ -1185,7 +1185,7 @@
           <a:bodyPr/>
           <a:lstStyle/>
           <a:p>
-            <a:fld id="{E55D0C36-4AD1-41F0-8ED5-BFF29534FD40}" type="slidenum">
+            <a:fld id="{E99C443F-C5C9-42E1-9D46-1C845B44A282}" type="slidenum">
               <a:rPr lang="zh-CN" altLang="en-US" smtClean="0"/>
               <a:t>‹#›</a:t>
             </a:fld>
@@ -1196,7 +1196,7 @@
     </p:spTree>
     <p:extLst>
       <p:ext uri="{BB962C8B-B14F-4D97-AF65-F5344CB8AC3E}">
-        <p14:creationId xmlns:p14="http://schemas.microsoft.com/office/powerpoint/2010/main" val="1759828214"/>
+        <p14:creationId xmlns:p14="http://schemas.microsoft.com/office/powerpoint/2010/main" val="2614084265"/>
       </p:ext>
     </p:extLst>
   </p:cSld>
@@ -1228,7 +1228,7 @@
           <p:cNvPr id="2" name="标题 1">
             <a:extLst>
               <a:ext uri="{FF2B5EF4-FFF2-40B4-BE49-F238E27FC236}">
-                <a16:creationId xmlns:a16="http://schemas.microsoft.com/office/drawing/2014/main" id="{6C9AA556-FC78-19FD-044E-1BE468269D6D}"/>
+                <a16:creationId xmlns:a16="http://schemas.microsoft.com/office/drawing/2014/main" id="{A1D66F31-FF46-8FEB-434B-F083002436A7}"/>
               </a:ext>
             </a:extLst>
           </p:cNvPr>
@@ -1256,7 +1256,7 @@
           <p:cNvPr id="3" name="内容占位符 2">
             <a:extLst>
               <a:ext uri="{FF2B5EF4-FFF2-40B4-BE49-F238E27FC236}">
-                <a16:creationId xmlns:a16="http://schemas.microsoft.com/office/drawing/2014/main" id="{52FA85E1-FA02-944C-683D-B7F10C57F8FC}"/>
+                <a16:creationId xmlns:a16="http://schemas.microsoft.com/office/drawing/2014/main" id="{B08D1DDF-1993-47B4-2605-CF9AACDFB844}"/>
               </a:ext>
             </a:extLst>
           </p:cNvPr>
@@ -1318,7 +1318,7 @@
           <p:cNvPr id="4" name="内容占位符 3">
             <a:extLst>
               <a:ext uri="{FF2B5EF4-FFF2-40B4-BE49-F238E27FC236}">
-                <a16:creationId xmlns:a16="http://schemas.microsoft.com/office/drawing/2014/main" id="{95D5F944-85D0-6EF2-D868-7753399E1184}"/>
+                <a16:creationId xmlns:a16="http://schemas.microsoft.com/office/drawing/2014/main" id="{6AD0965B-65CD-9007-F437-7B0E9C55FFC4}"/>
               </a:ext>
             </a:extLst>
           </p:cNvPr>
@@ -1380,7 +1380,7 @@
           <p:cNvPr id="5" name="日期占位符 4">
             <a:extLst>
               <a:ext uri="{FF2B5EF4-FFF2-40B4-BE49-F238E27FC236}">
-                <a16:creationId xmlns:a16="http://schemas.microsoft.com/office/drawing/2014/main" id="{D01B3E8B-3BBE-D2AF-079D-B1CFCCA2F460}"/>
+                <a16:creationId xmlns:a16="http://schemas.microsoft.com/office/drawing/2014/main" id="{588B7761-2920-5434-9F4E-585B1FDAEDD5}"/>
               </a:ext>
             </a:extLst>
           </p:cNvPr>
@@ -1396,7 +1396,7 @@
           <a:bodyPr/>
           <a:lstStyle/>
           <a:p>
-            <a:fld id="{A7872DDF-19FA-47E0-9F64-7BEA3D18198B}" type="datetimeFigureOut">
+            <a:fld id="{F03CC6B1-AB19-4263-B766-C493BC203C92}" type="datetimeFigureOut">
               <a:rPr lang="zh-CN" altLang="en-US" smtClean="0"/>
               <a:t>2024/3/10</a:t>
             </a:fld>
@@ -1409,7 +1409,7 @@
           <p:cNvPr id="6" name="页脚占位符 5">
             <a:extLst>
               <a:ext uri="{FF2B5EF4-FFF2-40B4-BE49-F238E27FC236}">
-                <a16:creationId xmlns:a16="http://schemas.microsoft.com/office/drawing/2014/main" id="{7F71D0AD-869E-2FE0-B46C-89391E612E21}"/>
+                <a16:creationId xmlns:a16="http://schemas.microsoft.com/office/drawing/2014/main" id="{66FEFEEC-53AF-A3F6-A440-A0C3E6667ED7}"/>
               </a:ext>
             </a:extLst>
           </p:cNvPr>
@@ -1434,7 +1434,7 @@
           <p:cNvPr id="7" name="灯片编号占位符 6">
             <a:extLst>
               <a:ext uri="{FF2B5EF4-FFF2-40B4-BE49-F238E27FC236}">
-                <a16:creationId xmlns:a16="http://schemas.microsoft.com/office/drawing/2014/main" id="{960680F5-13FC-AB8C-771C-D94E7D14A197}"/>
+                <a16:creationId xmlns:a16="http://schemas.microsoft.com/office/drawing/2014/main" id="{23CD4D45-BD55-0F91-95FF-D00F8C665C35}"/>
               </a:ext>
             </a:extLst>
           </p:cNvPr>
@@ -1450,7 +1450,7 @@
           <a:bodyPr/>
           <a:lstStyle/>
           <a:p>
-            <a:fld id="{E55D0C36-4AD1-41F0-8ED5-BFF29534FD40}" type="slidenum">
+            <a:fld id="{E99C443F-C5C9-42E1-9D46-1C845B44A282}" type="slidenum">
               <a:rPr lang="zh-CN" altLang="en-US" smtClean="0"/>
               <a:t>‹#›</a:t>
             </a:fld>
@@ -1461,7 +1461,7 @@
     </p:spTree>
     <p:extLst>
       <p:ext uri="{BB962C8B-B14F-4D97-AF65-F5344CB8AC3E}">
-        <p14:creationId xmlns:p14="http://schemas.microsoft.com/office/powerpoint/2010/main" val="1789504021"/>
+        <p14:creationId xmlns:p14="http://schemas.microsoft.com/office/powerpoint/2010/main" val="1228789386"/>
       </p:ext>
     </p:extLst>
   </p:cSld>
@@ -1493,7 +1493,7 @@
           <p:cNvPr id="2" name="标题 1">
             <a:extLst>
               <a:ext uri="{FF2B5EF4-FFF2-40B4-BE49-F238E27FC236}">
-                <a16:creationId xmlns:a16="http://schemas.microsoft.com/office/drawing/2014/main" id="{89ED0F49-A162-A147-E991-1B6C11EBECAF}"/>
+                <a16:creationId xmlns:a16="http://schemas.microsoft.com/office/drawing/2014/main" id="{075C8CDB-2780-DB99-8D9B-5D3927C610DE}"/>
               </a:ext>
             </a:extLst>
           </p:cNvPr>
@@ -1526,7 +1526,7 @@
           <p:cNvPr id="3" name="文本占位符 2">
             <a:extLst>
               <a:ext uri="{FF2B5EF4-FFF2-40B4-BE49-F238E27FC236}">
-                <a16:creationId xmlns:a16="http://schemas.microsoft.com/office/drawing/2014/main" id="{F288BB3F-3F22-49D2-5EFA-8055B11B39DA}"/>
+                <a16:creationId xmlns:a16="http://schemas.microsoft.com/office/drawing/2014/main" id="{4975A9E3-69FE-0E43-BAF0-E6610C3A2929}"/>
               </a:ext>
             </a:extLst>
           </p:cNvPr>
@@ -1597,7 +1597,7 @@
           <p:cNvPr id="4" name="内容占位符 3">
             <a:extLst>
               <a:ext uri="{FF2B5EF4-FFF2-40B4-BE49-F238E27FC236}">
-                <a16:creationId xmlns:a16="http://schemas.microsoft.com/office/drawing/2014/main" id="{CA1D4080-F33A-BAE8-7F89-BED11827D5E0}"/>
+                <a16:creationId xmlns:a16="http://schemas.microsoft.com/office/drawing/2014/main" id="{5F39F19C-B52E-23F7-ABF0-1B5F5FD3A36C}"/>
               </a:ext>
             </a:extLst>
           </p:cNvPr>
@@ -1659,7 +1659,7 @@
           <p:cNvPr id="5" name="文本占位符 4">
             <a:extLst>
               <a:ext uri="{FF2B5EF4-FFF2-40B4-BE49-F238E27FC236}">
-                <a16:creationId xmlns:a16="http://schemas.microsoft.com/office/drawing/2014/main" id="{7FD97ED8-0ECA-11B3-4F58-7FE6A1918804}"/>
+                <a16:creationId xmlns:a16="http://schemas.microsoft.com/office/drawing/2014/main" id="{F83D80EE-379E-1D91-F5A3-B370D712C0A3}"/>
               </a:ext>
             </a:extLst>
           </p:cNvPr>
@@ -1730,7 +1730,7 @@
           <p:cNvPr id="6" name="内容占位符 5">
             <a:extLst>
               <a:ext uri="{FF2B5EF4-FFF2-40B4-BE49-F238E27FC236}">
-                <a16:creationId xmlns:a16="http://schemas.microsoft.com/office/drawing/2014/main" id="{3C56197E-99F7-92CD-C4A0-6B37B8EE0FFB}"/>
+                <a16:creationId xmlns:a16="http://schemas.microsoft.com/office/drawing/2014/main" id="{1BDC3ABD-590E-ADD9-E38D-850BA01DF965}"/>
               </a:ext>
             </a:extLst>
           </p:cNvPr>
@@ -1792,7 +1792,7 @@
           <p:cNvPr id="7" name="日期占位符 6">
             <a:extLst>
               <a:ext uri="{FF2B5EF4-FFF2-40B4-BE49-F238E27FC236}">
-                <a16:creationId xmlns:a16="http://schemas.microsoft.com/office/drawing/2014/main" id="{DEAA912E-3F36-8175-8270-0887D26BB864}"/>
+                <a16:creationId xmlns:a16="http://schemas.microsoft.com/office/drawing/2014/main" id="{331EA27F-4F64-7C29-1674-4018AD3516E4}"/>
               </a:ext>
             </a:extLst>
           </p:cNvPr>
@@ -1808,7 +1808,7 @@
           <a:bodyPr/>
           <a:lstStyle/>
           <a:p>
-            <a:fld id="{A7872DDF-19FA-47E0-9F64-7BEA3D18198B}" type="datetimeFigureOut">
+            <a:fld id="{F03CC6B1-AB19-4263-B766-C493BC203C92}" type="datetimeFigureOut">
               <a:rPr lang="zh-CN" altLang="en-US" smtClean="0"/>
               <a:t>2024/3/10</a:t>
             </a:fld>
@@ -1821,7 +1821,7 @@
           <p:cNvPr id="8" name="页脚占位符 7">
             <a:extLst>
               <a:ext uri="{FF2B5EF4-FFF2-40B4-BE49-F238E27FC236}">
-                <a16:creationId xmlns:a16="http://schemas.microsoft.com/office/drawing/2014/main" id="{482A28D3-E22F-6E28-A0FC-41A8E317FA56}"/>
+                <a16:creationId xmlns:a16="http://schemas.microsoft.com/office/drawing/2014/main" id="{BB6B3815-6194-1F79-8DBA-A3F776CD423B}"/>
               </a:ext>
             </a:extLst>
           </p:cNvPr>
@@ -1846,7 +1846,7 @@
           <p:cNvPr id="9" name="灯片编号占位符 8">
             <a:extLst>
               <a:ext uri="{FF2B5EF4-FFF2-40B4-BE49-F238E27FC236}">
-                <a16:creationId xmlns:a16="http://schemas.microsoft.com/office/drawing/2014/main" id="{36237A5E-B79A-1E0E-8458-8EFE7D1552A1}"/>
+                <a16:creationId xmlns:a16="http://schemas.microsoft.com/office/drawing/2014/main" id="{17F16417-377E-A278-CC46-D619D8662BDB}"/>
               </a:ext>
             </a:extLst>
           </p:cNvPr>
@@ -1862,7 +1862,7 @@
           <a:bodyPr/>
           <a:lstStyle/>
           <a:p>
-            <a:fld id="{E55D0C36-4AD1-41F0-8ED5-BFF29534FD40}" type="slidenum">
+            <a:fld id="{E99C443F-C5C9-42E1-9D46-1C845B44A282}" type="slidenum">
               <a:rPr lang="zh-CN" altLang="en-US" smtClean="0"/>
               <a:t>‹#›</a:t>
             </a:fld>
@@ -1873,7 +1873,7 @@
     </p:spTree>
     <p:extLst>
       <p:ext uri="{BB962C8B-B14F-4D97-AF65-F5344CB8AC3E}">
-        <p14:creationId xmlns:p14="http://schemas.microsoft.com/office/powerpoint/2010/main" val="2040974188"/>
+        <p14:creationId xmlns:p14="http://schemas.microsoft.com/office/powerpoint/2010/main" val="1324892660"/>
       </p:ext>
     </p:extLst>
   </p:cSld>
@@ -1905,7 +1905,7 @@
           <p:cNvPr id="2" name="标题 1">
             <a:extLst>
               <a:ext uri="{FF2B5EF4-FFF2-40B4-BE49-F238E27FC236}">
-                <a16:creationId xmlns:a16="http://schemas.microsoft.com/office/drawing/2014/main" id="{F410925C-8FD9-2589-E9F1-E0E61A16691F}"/>
+                <a16:creationId xmlns:a16="http://schemas.microsoft.com/office/drawing/2014/main" id="{83C57CAE-7EED-5FD0-33C0-86E46C9E8F80}"/>
               </a:ext>
             </a:extLst>
           </p:cNvPr>
@@ -1933,7 +1933,7 @@
           <p:cNvPr id="3" name="日期占位符 2">
             <a:extLst>
               <a:ext uri="{FF2B5EF4-FFF2-40B4-BE49-F238E27FC236}">
-                <a16:creationId xmlns:a16="http://schemas.microsoft.com/office/drawing/2014/main" id="{33984711-6914-485A-3AC2-8D75D08E0BC6}"/>
+                <a16:creationId xmlns:a16="http://schemas.microsoft.com/office/drawing/2014/main" id="{FA156718-C9FA-0FB6-D562-A004EB56C6AD}"/>
               </a:ext>
             </a:extLst>
           </p:cNvPr>
@@ -1949,7 +1949,7 @@
           <a:bodyPr/>
           <a:lstStyle/>
           <a:p>
-            <a:fld id="{A7872DDF-19FA-47E0-9F64-7BEA3D18198B}" type="datetimeFigureOut">
+            <a:fld id="{F03CC6B1-AB19-4263-B766-C493BC203C92}" type="datetimeFigureOut">
               <a:rPr lang="zh-CN" altLang="en-US" smtClean="0"/>
               <a:t>2024/3/10</a:t>
             </a:fld>
@@ -1962,7 +1962,7 @@
           <p:cNvPr id="4" name="页脚占位符 3">
             <a:extLst>
               <a:ext uri="{FF2B5EF4-FFF2-40B4-BE49-F238E27FC236}">
-                <a16:creationId xmlns:a16="http://schemas.microsoft.com/office/drawing/2014/main" id="{CC2DB8A9-6B7F-88DE-4446-6C6F48BD7D76}"/>
+                <a16:creationId xmlns:a16="http://schemas.microsoft.com/office/drawing/2014/main" id="{DBC9B007-7409-43B4-9541-D64BA15FD67D}"/>
               </a:ext>
             </a:extLst>
           </p:cNvPr>
@@ -1987,7 +1987,7 @@
           <p:cNvPr id="5" name="灯片编号占位符 4">
             <a:extLst>
               <a:ext uri="{FF2B5EF4-FFF2-40B4-BE49-F238E27FC236}">
-                <a16:creationId xmlns:a16="http://schemas.microsoft.com/office/drawing/2014/main" id="{C217E314-3513-E277-283E-DCCDB5627BB2}"/>
+                <a16:creationId xmlns:a16="http://schemas.microsoft.com/office/drawing/2014/main" id="{2FA9BFB7-F174-8BB9-3C3E-D62F14350CA4}"/>
               </a:ext>
             </a:extLst>
           </p:cNvPr>
@@ -2003,7 +2003,7 @@
           <a:bodyPr/>
           <a:lstStyle/>
           <a:p>
-            <a:fld id="{E55D0C36-4AD1-41F0-8ED5-BFF29534FD40}" type="slidenum">
+            <a:fld id="{E99C443F-C5C9-42E1-9D46-1C845B44A282}" type="slidenum">
               <a:rPr lang="zh-CN" altLang="en-US" smtClean="0"/>
               <a:t>‹#›</a:t>
             </a:fld>
@@ -2014,7 +2014,7 @@
     </p:spTree>
     <p:extLst>
       <p:ext uri="{BB962C8B-B14F-4D97-AF65-F5344CB8AC3E}">
-        <p14:creationId xmlns:p14="http://schemas.microsoft.com/office/powerpoint/2010/main" val="4231192766"/>
+        <p14:creationId xmlns:p14="http://schemas.microsoft.com/office/powerpoint/2010/main" val="4192620884"/>
       </p:ext>
     </p:extLst>
   </p:cSld>
@@ -2046,7 +2046,7 @@
           <p:cNvPr id="2" name="日期占位符 1">
             <a:extLst>
               <a:ext uri="{FF2B5EF4-FFF2-40B4-BE49-F238E27FC236}">
-                <a16:creationId xmlns:a16="http://schemas.microsoft.com/office/drawing/2014/main" id="{97BF199C-9D34-580D-2B9B-12C6ED3ADCC2}"/>
+                <a16:creationId xmlns:a16="http://schemas.microsoft.com/office/drawing/2014/main" id="{5B1DE261-91C1-4600-4746-99B87B94945E}"/>
               </a:ext>
             </a:extLst>
           </p:cNvPr>
@@ -2062,7 +2062,7 @@
           <a:bodyPr/>
           <a:lstStyle/>
           <a:p>
-            <a:fld id="{A7872DDF-19FA-47E0-9F64-7BEA3D18198B}" type="datetimeFigureOut">
+            <a:fld id="{F03CC6B1-AB19-4263-B766-C493BC203C92}" type="datetimeFigureOut">
               <a:rPr lang="zh-CN" altLang="en-US" smtClean="0"/>
               <a:t>2024/3/10</a:t>
             </a:fld>
@@ -2075,7 +2075,7 @@
           <p:cNvPr id="3" name="页脚占位符 2">
             <a:extLst>
               <a:ext uri="{FF2B5EF4-FFF2-40B4-BE49-F238E27FC236}">
-                <a16:creationId xmlns:a16="http://schemas.microsoft.com/office/drawing/2014/main" id="{2C088455-3696-9DC5-B145-1FD9FA96D94F}"/>
+                <a16:creationId xmlns:a16="http://schemas.microsoft.com/office/drawing/2014/main" id="{AD7C92B5-AEAF-47AA-7DF0-8F68D547FEF9}"/>
               </a:ext>
             </a:extLst>
           </p:cNvPr>
@@ -2100,7 +2100,7 @@
           <p:cNvPr id="4" name="灯片编号占位符 3">
             <a:extLst>
               <a:ext uri="{FF2B5EF4-FFF2-40B4-BE49-F238E27FC236}">
-                <a16:creationId xmlns:a16="http://schemas.microsoft.com/office/drawing/2014/main" id="{F6879BC2-A167-CA9C-4B9E-A437BED77FD8}"/>
+                <a16:creationId xmlns:a16="http://schemas.microsoft.com/office/drawing/2014/main" id="{B8C1CAEB-E86A-4CBE-7873-9A2B503C27A3}"/>
               </a:ext>
             </a:extLst>
           </p:cNvPr>
@@ -2116,7 +2116,7 @@
           <a:bodyPr/>
           <a:lstStyle/>
           <a:p>
-            <a:fld id="{E55D0C36-4AD1-41F0-8ED5-BFF29534FD40}" type="slidenum">
+            <a:fld id="{E99C443F-C5C9-42E1-9D46-1C845B44A282}" type="slidenum">
               <a:rPr lang="zh-CN" altLang="en-US" smtClean="0"/>
               <a:t>‹#›</a:t>
             </a:fld>
@@ -2127,7 +2127,7 @@
     </p:spTree>
     <p:extLst>
       <p:ext uri="{BB962C8B-B14F-4D97-AF65-F5344CB8AC3E}">
-        <p14:creationId xmlns:p14="http://schemas.microsoft.com/office/powerpoint/2010/main" val="3616876745"/>
+        <p14:creationId xmlns:p14="http://schemas.microsoft.com/office/powerpoint/2010/main" val="2181013960"/>
       </p:ext>
     </p:extLst>
   </p:cSld>
@@ -2159,7 +2159,7 @@
           <p:cNvPr id="2" name="标题 1">
             <a:extLst>
               <a:ext uri="{FF2B5EF4-FFF2-40B4-BE49-F238E27FC236}">
-                <a16:creationId xmlns:a16="http://schemas.microsoft.com/office/drawing/2014/main" id="{86E2072E-0187-80B4-E35D-A654CF70A8C9}"/>
+                <a16:creationId xmlns:a16="http://schemas.microsoft.com/office/drawing/2014/main" id="{5400055A-D345-D157-DAAC-2C3F2A9E3813}"/>
               </a:ext>
             </a:extLst>
           </p:cNvPr>
@@ -2196,7 +2196,7 @@
           <p:cNvPr id="3" name="内容占位符 2">
             <a:extLst>
               <a:ext uri="{FF2B5EF4-FFF2-40B4-BE49-F238E27FC236}">
-                <a16:creationId xmlns:a16="http://schemas.microsoft.com/office/drawing/2014/main" id="{91327284-FB2A-55B2-BAB6-32D9F5E84280}"/>
+                <a16:creationId xmlns:a16="http://schemas.microsoft.com/office/drawing/2014/main" id="{974D3C54-BDED-8A24-284C-3697497DAF15}"/>
               </a:ext>
             </a:extLst>
           </p:cNvPr>
@@ -2286,7 +2286,7 @@
           <p:cNvPr id="4" name="文本占位符 3">
             <a:extLst>
               <a:ext uri="{FF2B5EF4-FFF2-40B4-BE49-F238E27FC236}">
-                <a16:creationId xmlns:a16="http://schemas.microsoft.com/office/drawing/2014/main" id="{6CE5AC4D-5D5B-456A-DEA9-E62711A72CC8}"/>
+                <a16:creationId xmlns:a16="http://schemas.microsoft.com/office/drawing/2014/main" id="{FF575A94-A2A2-ED37-DECE-F6788F2EFF01}"/>
               </a:ext>
             </a:extLst>
           </p:cNvPr>
@@ -2357,7 +2357,7 @@
           <p:cNvPr id="5" name="日期占位符 4">
             <a:extLst>
               <a:ext uri="{FF2B5EF4-FFF2-40B4-BE49-F238E27FC236}">
-                <a16:creationId xmlns:a16="http://schemas.microsoft.com/office/drawing/2014/main" id="{111520E3-FC5B-5A70-DB89-A5B0B2F9387A}"/>
+                <a16:creationId xmlns:a16="http://schemas.microsoft.com/office/drawing/2014/main" id="{1CBEE21D-BA2F-4BE4-6124-25F88020EC0E}"/>
               </a:ext>
             </a:extLst>
           </p:cNvPr>
@@ -2373,7 +2373,7 @@
           <a:bodyPr/>
           <a:lstStyle/>
           <a:p>
-            <a:fld id="{A7872DDF-19FA-47E0-9F64-7BEA3D18198B}" type="datetimeFigureOut">
+            <a:fld id="{F03CC6B1-AB19-4263-B766-C493BC203C92}" type="datetimeFigureOut">
               <a:rPr lang="zh-CN" altLang="en-US" smtClean="0"/>
               <a:t>2024/3/10</a:t>
             </a:fld>
@@ -2386,7 +2386,7 @@
           <p:cNvPr id="6" name="页脚占位符 5">
             <a:extLst>
               <a:ext uri="{FF2B5EF4-FFF2-40B4-BE49-F238E27FC236}">
-                <a16:creationId xmlns:a16="http://schemas.microsoft.com/office/drawing/2014/main" id="{6E40B5BE-2C78-BC4D-E6AC-6631D8733FB6}"/>
+                <a16:creationId xmlns:a16="http://schemas.microsoft.com/office/drawing/2014/main" id="{82943F53-803E-3854-7E59-A14BA32545AD}"/>
               </a:ext>
             </a:extLst>
           </p:cNvPr>
@@ -2411,7 +2411,7 @@
           <p:cNvPr id="7" name="灯片编号占位符 6">
             <a:extLst>
               <a:ext uri="{FF2B5EF4-FFF2-40B4-BE49-F238E27FC236}">
-                <a16:creationId xmlns:a16="http://schemas.microsoft.com/office/drawing/2014/main" id="{AC313423-18F6-7D0F-69E7-445F2F2A4937}"/>
+                <a16:creationId xmlns:a16="http://schemas.microsoft.com/office/drawing/2014/main" id="{AACB4A14-0B9D-D108-6473-623D427F4B81}"/>
               </a:ext>
             </a:extLst>
           </p:cNvPr>
@@ -2427,7 +2427,7 @@
           <a:bodyPr/>
           <a:lstStyle/>
           <a:p>
-            <a:fld id="{E55D0C36-4AD1-41F0-8ED5-BFF29534FD40}" type="slidenum">
+            <a:fld id="{E99C443F-C5C9-42E1-9D46-1C845B44A282}" type="slidenum">
               <a:rPr lang="zh-CN" altLang="en-US" smtClean="0"/>
               <a:t>‹#›</a:t>
             </a:fld>
@@ -2438,7 +2438,7 @@
     </p:spTree>
     <p:extLst>
       <p:ext uri="{BB962C8B-B14F-4D97-AF65-F5344CB8AC3E}">
-        <p14:creationId xmlns:p14="http://schemas.microsoft.com/office/powerpoint/2010/main" val="2348738670"/>
+        <p14:creationId xmlns:p14="http://schemas.microsoft.com/office/powerpoint/2010/main" val="3939419790"/>
       </p:ext>
     </p:extLst>
   </p:cSld>
@@ -2470,7 +2470,7 @@
           <p:cNvPr id="2" name="标题 1">
             <a:extLst>
               <a:ext uri="{FF2B5EF4-FFF2-40B4-BE49-F238E27FC236}">
-                <a16:creationId xmlns:a16="http://schemas.microsoft.com/office/drawing/2014/main" id="{AE560756-BA23-746F-D0D8-DBA6B8F6BD24}"/>
+                <a16:creationId xmlns:a16="http://schemas.microsoft.com/office/drawing/2014/main" id="{89A5D1E6-8945-4931-9897-3AE8C0A31E8F}"/>
               </a:ext>
             </a:extLst>
           </p:cNvPr>
@@ -2507,7 +2507,7 @@
           <p:cNvPr id="3" name="图片占位符 2">
             <a:extLst>
               <a:ext uri="{FF2B5EF4-FFF2-40B4-BE49-F238E27FC236}">
-                <a16:creationId xmlns:a16="http://schemas.microsoft.com/office/drawing/2014/main" id="{FF37FE85-FB3D-7468-B1DD-6A1450363D91}"/>
+                <a16:creationId xmlns:a16="http://schemas.microsoft.com/office/drawing/2014/main" id="{4C0ACB86-E81D-A40B-79FA-1269CA35CA24}"/>
               </a:ext>
             </a:extLst>
           </p:cNvPr>
@@ -2574,7 +2574,7 @@
           <p:cNvPr id="4" name="文本占位符 3">
             <a:extLst>
               <a:ext uri="{FF2B5EF4-FFF2-40B4-BE49-F238E27FC236}">
-                <a16:creationId xmlns:a16="http://schemas.microsoft.com/office/drawing/2014/main" id="{AD6C0F81-2F3C-E0D3-EC60-17A5E4895F44}"/>
+                <a16:creationId xmlns:a16="http://schemas.microsoft.com/office/drawing/2014/main" id="{5F26757B-7A2C-FA38-359E-BF95864DFC62}"/>
               </a:ext>
             </a:extLst>
           </p:cNvPr>
@@ -2645,7 +2645,7 @@
           <p:cNvPr id="5" name="日期占位符 4">
             <a:extLst>
               <a:ext uri="{FF2B5EF4-FFF2-40B4-BE49-F238E27FC236}">
-                <a16:creationId xmlns:a16="http://schemas.microsoft.com/office/drawing/2014/main" id="{1032B385-A4AA-E5D5-BC13-AA4489AB264D}"/>
+                <a16:creationId xmlns:a16="http://schemas.microsoft.com/office/drawing/2014/main" id="{F4877136-E548-3CAE-2F6F-76EB395B2F31}"/>
               </a:ext>
             </a:extLst>
           </p:cNvPr>
@@ -2661,7 +2661,7 @@
           <a:bodyPr/>
           <a:lstStyle/>
           <a:p>
-            <a:fld id="{A7872DDF-19FA-47E0-9F64-7BEA3D18198B}" type="datetimeFigureOut">
+            <a:fld id="{F03CC6B1-AB19-4263-B766-C493BC203C92}" type="datetimeFigureOut">
               <a:rPr lang="zh-CN" altLang="en-US" smtClean="0"/>
               <a:t>2024/3/10</a:t>
             </a:fld>
@@ -2674,7 +2674,7 @@
           <p:cNvPr id="6" name="页脚占位符 5">
             <a:extLst>
               <a:ext uri="{FF2B5EF4-FFF2-40B4-BE49-F238E27FC236}">
-                <a16:creationId xmlns:a16="http://schemas.microsoft.com/office/drawing/2014/main" id="{ECEC22DC-FA7A-1DD1-E619-81B9798B6753}"/>
+                <a16:creationId xmlns:a16="http://schemas.microsoft.com/office/drawing/2014/main" id="{8EDFF17F-A530-211D-2BCE-9A273DB1E981}"/>
               </a:ext>
             </a:extLst>
           </p:cNvPr>
@@ -2699,7 +2699,7 @@
           <p:cNvPr id="7" name="灯片编号占位符 6">
             <a:extLst>
               <a:ext uri="{FF2B5EF4-FFF2-40B4-BE49-F238E27FC236}">
-                <a16:creationId xmlns:a16="http://schemas.microsoft.com/office/drawing/2014/main" id="{D01359DB-EAB2-926D-4C03-51F4357C1DCD}"/>
+                <a16:creationId xmlns:a16="http://schemas.microsoft.com/office/drawing/2014/main" id="{B72FE901-1F9A-1242-71E8-7B5DA1860668}"/>
               </a:ext>
             </a:extLst>
           </p:cNvPr>
@@ -2715,7 +2715,7 @@
           <a:bodyPr/>
           <a:lstStyle/>
           <a:p>
-            <a:fld id="{E55D0C36-4AD1-41F0-8ED5-BFF29534FD40}" type="slidenum">
+            <a:fld id="{E99C443F-C5C9-42E1-9D46-1C845B44A282}" type="slidenum">
               <a:rPr lang="zh-CN" altLang="en-US" smtClean="0"/>
               <a:t>‹#›</a:t>
             </a:fld>
@@ -2726,7 +2726,7 @@
     </p:spTree>
     <p:extLst>
       <p:ext uri="{BB962C8B-B14F-4D97-AF65-F5344CB8AC3E}">
-        <p14:creationId xmlns:p14="http://schemas.microsoft.com/office/powerpoint/2010/main" val="1965865461"/>
+        <p14:creationId xmlns:p14="http://schemas.microsoft.com/office/powerpoint/2010/main" val="170582408"/>
       </p:ext>
     </p:extLst>
   </p:cSld>
@@ -2763,7 +2763,7 @@
           <p:cNvPr id="2" name="标题占位符 1">
             <a:extLst>
               <a:ext uri="{FF2B5EF4-FFF2-40B4-BE49-F238E27FC236}">
-                <a16:creationId xmlns:a16="http://schemas.microsoft.com/office/drawing/2014/main" id="{598B4691-D5C2-DF4B-2AD4-EF351623AEB1}"/>
+                <a16:creationId xmlns:a16="http://schemas.microsoft.com/office/drawing/2014/main" id="{A3C695C3-41DC-14A8-941E-914C5896DA34}"/>
               </a:ext>
             </a:extLst>
           </p:cNvPr>
@@ -2801,7 +2801,7 @@
           <p:cNvPr id="3" name="文本占位符 2">
             <a:extLst>
               <a:ext uri="{FF2B5EF4-FFF2-40B4-BE49-F238E27FC236}">
-                <a16:creationId xmlns:a16="http://schemas.microsoft.com/office/drawing/2014/main" id="{8890369A-1DF1-F2F8-940A-59F1754D9368}"/>
+                <a16:creationId xmlns:a16="http://schemas.microsoft.com/office/drawing/2014/main" id="{5DFF6A4A-32CE-A0D3-130A-360AC789B89F}"/>
               </a:ext>
             </a:extLst>
           </p:cNvPr>
@@ -2868,7 +2868,7 @@
           <p:cNvPr id="4" name="日期占位符 3">
             <a:extLst>
               <a:ext uri="{FF2B5EF4-FFF2-40B4-BE49-F238E27FC236}">
-                <a16:creationId xmlns:a16="http://schemas.microsoft.com/office/drawing/2014/main" id="{6BF2409C-B069-0A44-BC25-D0E60ADE64AA}"/>
+                <a16:creationId xmlns:a16="http://schemas.microsoft.com/office/drawing/2014/main" id="{B0964A9D-CC1F-C6EA-4772-DE63A9861FD1}"/>
               </a:ext>
             </a:extLst>
           </p:cNvPr>
@@ -2902,7 +2902,7 @@
             </a:lvl1pPr>
           </a:lstStyle>
           <a:p>
-            <a:fld id="{A7872DDF-19FA-47E0-9F64-7BEA3D18198B}" type="datetimeFigureOut">
+            <a:fld id="{F03CC6B1-AB19-4263-B766-C493BC203C92}" type="datetimeFigureOut">
               <a:rPr lang="zh-CN" altLang="en-US" smtClean="0"/>
               <a:t>2024/3/10</a:t>
             </a:fld>
@@ -2915,7 +2915,7 @@
           <p:cNvPr id="5" name="页脚占位符 4">
             <a:extLst>
               <a:ext uri="{FF2B5EF4-FFF2-40B4-BE49-F238E27FC236}">
-                <a16:creationId xmlns:a16="http://schemas.microsoft.com/office/drawing/2014/main" id="{36182AF9-55DF-7A9E-96B1-0199D0C9E991}"/>
+                <a16:creationId xmlns:a16="http://schemas.microsoft.com/office/drawing/2014/main" id="{2ECACD1B-EF6D-45B6-01E1-6766BF884DB2}"/>
               </a:ext>
             </a:extLst>
           </p:cNvPr>
@@ -2958,7 +2958,7 @@
           <p:cNvPr id="6" name="灯片编号占位符 5">
             <a:extLst>
               <a:ext uri="{FF2B5EF4-FFF2-40B4-BE49-F238E27FC236}">
-                <a16:creationId xmlns:a16="http://schemas.microsoft.com/office/drawing/2014/main" id="{571D3259-CF23-BB54-2589-4A8E480821C3}"/>
+                <a16:creationId xmlns:a16="http://schemas.microsoft.com/office/drawing/2014/main" id="{03E0F08C-B6F7-A4C6-BA01-9ABF52FF789B}"/>
               </a:ext>
             </a:extLst>
           </p:cNvPr>
@@ -2992,7 +2992,7 @@
             </a:lvl1pPr>
           </a:lstStyle>
           <a:p>
-            <a:fld id="{E55D0C36-4AD1-41F0-8ED5-BFF29534FD40}" type="slidenum">
+            <a:fld id="{E99C443F-C5C9-42E1-9D46-1C845B44A282}" type="slidenum">
               <a:rPr lang="zh-CN" altLang="en-US" smtClean="0"/>
               <a:t>‹#›</a:t>
             </a:fld>
@@ -3003,7 +3003,7 @@
     </p:spTree>
     <p:extLst>
       <p:ext uri="{BB962C8B-B14F-4D97-AF65-F5344CB8AC3E}">
-        <p14:creationId xmlns:p14="http://schemas.microsoft.com/office/powerpoint/2010/main" val="12403842"/>
+        <p14:creationId xmlns:p14="http://schemas.microsoft.com/office/powerpoint/2010/main" val="2768731723"/>
       </p:ext>
     </p:extLst>
   </p:cSld>
@@ -3323,7 +3323,7 @@
       </p:grpSpPr>
       <p:pic>
         <p:nvPicPr>
-          <p:cNvPr id="1321986" name="Picture 2" descr="1290"/>
+          <p:cNvPr id="1323010" name="Picture 2" descr="1291"/>
           <p:cNvPicPr>
             <a:picLocks noChangeAspect="1" noChangeArrowheads="1"/>
           </p:cNvPicPr>
@@ -3344,8 +3344,8 @@
         </p:blipFill>
         <p:spPr bwMode="auto">
           <a:xfrm>
-            <a:off x="1524000" y="1"/>
-            <a:ext cx="9144000" cy="5229225"/>
+            <a:off x="1524000" y="0"/>
+            <a:ext cx="9144000" cy="4941888"/>
           </a:xfrm>
           <a:prstGeom prst="rect">
             <a:avLst/>
